--- a/SRS/ms4pres.pptx
+++ b/SRS/ms4pres.pptx
@@ -4085,8 +4085,42 @@
           <a:p>
             <a:r>
               <a:rPr lang="en-US" dirty="0" smtClean="0"/>
-              <a:t>Check Out the “HELP” section on the website!</a:t>
-            </a:r>
+              <a:t>Check Out the “HELP” section on the website</a:t>
+            </a:r>
+            <a:r>
+              <a:rPr lang="en-US" dirty="0" smtClean="0"/>
+              <a:t>!</a:t>
+            </a:r>
+          </a:p>
+          <a:p>
+            <a:r>
+              <a:rPr lang="en-US" dirty="0" smtClean="0"/>
+              <a:t>The DB Now Features REAL Cocktails and Ingredients!</a:t>
+            </a:r>
+          </a:p>
+          <a:p>
+            <a:r>
+              <a:rPr lang="en-US" dirty="0" smtClean="0"/>
+              <a:t>Go and check it out!</a:t>
+            </a:r>
+          </a:p>
+          <a:p>
+            <a:pPr marL="0" indent="0" algn="ctr">
+              <a:buNone/>
+            </a:pPr>
+            <a:r>
+              <a:rPr lang="en-US" dirty="0" smtClean="0">
+                <a:hlinkClick r:id="rId2"/>
+              </a:rPr>
+              <a:t>HTTP://drunkathome.no-ip.org</a:t>
+            </a:r>
+            <a:endParaRPr lang="en-US" dirty="0" smtClean="0"/>
+          </a:p>
+          <a:p>
+            <a:pPr marL="0" indent="0">
+              <a:buNone/>
+            </a:pPr>
+            <a:endParaRPr lang="en-US" dirty="0" smtClean="0"/>
           </a:p>
           <a:p>
             <a:endParaRPr lang="en-US" dirty="0"/>

--- a/SRS/ms4pres.pptx
+++ b/SRS/ms4pres.pptx
@@ -9,10 +9,11 @@
     <p:sldId id="257" r:id="rId3"/>
     <p:sldId id="258" r:id="rId4"/>
     <p:sldId id="259" r:id="rId5"/>
-    <p:sldId id="260" r:id="rId6"/>
-    <p:sldId id="261" r:id="rId7"/>
-    <p:sldId id="262" r:id="rId8"/>
-    <p:sldId id="263" r:id="rId9"/>
+    <p:sldId id="264" r:id="rId6"/>
+    <p:sldId id="260" r:id="rId7"/>
+    <p:sldId id="261" r:id="rId8"/>
+    <p:sldId id="262" r:id="rId9"/>
+    <p:sldId id="263" r:id="rId10"/>
   </p:sldIdLst>
   <p:sldSz cx="9144000" cy="6858000" type="screen4x3"/>
   <p:notesSz cx="6858000" cy="9144000"/>
@@ -3500,7 +3501,12 @@
             <p:ph idx="1"/>
           </p:nvPr>
         </p:nvSpPr>
-        <p:spPr/>
+        <p:spPr>
+          <a:xfrm>
+            <a:off x="179512" y="1699654"/>
+            <a:ext cx="8229600" cy="4525963"/>
+          </a:xfrm>
+        </p:spPr>
         <p:txBody>
           <a:bodyPr/>
           <a:lstStyle/>
@@ -3531,7 +3537,15 @@
           <a:p>
             <a:r>
               <a:rPr lang="en-US" sz="2800" dirty="0" smtClean="0"/>
-              <a:t>This will soon turn to “Search By</a:t>
+              <a:t>We</a:t>
+            </a:r>
+            <a:r>
+              <a:rPr lang="en-US" sz="2800" dirty="0" smtClean="0"/>
+              <a:t> turned it </a:t>
+            </a:r>
+            <a:r>
+              <a:rPr lang="en-US" sz="2800" dirty="0" smtClean="0"/>
+              <a:t>to “Search By</a:t>
             </a:r>
           </a:p>
           <a:p>
@@ -3540,8 +3554,13 @@
             </a:pPr>
             <a:r>
               <a:rPr lang="en-US" sz="2800" dirty="0" smtClean="0"/>
-              <a:t>List” Feature that will be available </a:t>
-            </a:r>
+              <a:t>List” Feature that </a:t>
+            </a:r>
+            <a:r>
+              <a:rPr lang="en-US" sz="2800" dirty="0" smtClean="0"/>
+              <a:t>is available </a:t>
+            </a:r>
+            <a:endParaRPr lang="en-US" sz="2800" dirty="0" smtClean="0"/>
           </a:p>
           <a:p>
             <a:pPr marL="0" indent="0">
@@ -3549,14 +3568,19 @@
             </a:pPr>
             <a:r>
               <a:rPr lang="en-US" sz="2800" dirty="0" smtClean="0"/>
-              <a:t>Only for our exclusive android users</a:t>
-            </a:r>
+              <a:t>Only for our exclusive android </a:t>
+            </a:r>
+            <a:r>
+              <a:rPr lang="en-US" sz="2800" dirty="0" smtClean="0"/>
+              <a:t>users!</a:t>
+            </a:r>
+            <a:endParaRPr lang="en-US" sz="2800" dirty="0" smtClean="0"/>
           </a:p>
         </p:txBody>
       </p:sp>
       <p:pic>
         <p:nvPicPr>
-          <p:cNvPr id="3074" name="Picture 2" descr="C:\Users\ASoli\Desktop\New folder (3)\Screenshot_2013-01-19-14-14-10.png"/>
+          <p:cNvPr id="2051" name="Picture 3" descr="C:\Users\ASoli\Desktop\New folder (3)\Screenshot_2013-01-19-21-57-14.png"/>
           <p:cNvPicPr>
             <a:picLocks noChangeAspect="1" noChangeArrowheads="1"/>
           </p:cNvPicPr>
@@ -3577,8 +3601,8 @@
         </p:blipFill>
         <p:spPr bwMode="auto">
           <a:xfrm>
-            <a:off x="6147872" y="1772816"/>
-            <a:ext cx="2750706" cy="4584510"/>
+            <a:off x="5796136" y="1268760"/>
+            <a:ext cx="3232651" cy="5387752"/>
           </a:xfrm>
           <a:prstGeom prst="rect">
             <a:avLst/>
@@ -3609,6 +3633,123 @@
 </file>
 
 <file path=ppt/slides/slide5.xml><?xml version="1.0" encoding="utf-8"?>
+<p:sld xmlns:a="http://schemas.openxmlformats.org/drawingml/2006/main" xmlns:r="http://schemas.openxmlformats.org/officeDocument/2006/relationships" xmlns:p="http://schemas.openxmlformats.org/presentationml/2006/main">
+  <p:cSld>
+    <p:spTree>
+      <p:nvGrpSpPr>
+        <p:cNvPr id="1" name=""/>
+        <p:cNvGrpSpPr/>
+        <p:nvPr/>
+      </p:nvGrpSpPr>
+      <p:grpSpPr>
+        <a:xfrm>
+          <a:off x="0" y="0"/>
+          <a:ext cx="0" cy="0"/>
+          <a:chOff x="0" y="0"/>
+          <a:chExt cx="0" cy="0"/>
+        </a:xfrm>
+      </p:grpSpPr>
+      <p:sp>
+        <p:nvSpPr>
+          <p:cNvPr id="2" name="Title 1"/>
+          <p:cNvSpPr>
+            <a:spLocks noGrp="1"/>
+          </p:cNvSpPr>
+          <p:nvPr>
+            <p:ph type="title"/>
+          </p:nvPr>
+        </p:nvSpPr>
+        <p:spPr/>
+        <p:txBody>
+          <a:bodyPr/>
+          <a:lstStyle/>
+          <a:p>
+            <a:r>
+              <a:rPr lang="en-US" dirty="0" smtClean="0"/>
+              <a:t>Android App Cont.</a:t>
+            </a:r>
+            <a:endParaRPr lang="en-US" dirty="0"/>
+          </a:p>
+        </p:txBody>
+      </p:sp>
+      <p:sp>
+        <p:nvSpPr>
+          <p:cNvPr id="3" name="Content Placeholder 2"/>
+          <p:cNvSpPr>
+            <a:spLocks noGrp="1"/>
+          </p:cNvSpPr>
+          <p:nvPr>
+            <p:ph idx="1"/>
+          </p:nvPr>
+        </p:nvSpPr>
+        <p:spPr/>
+        <p:txBody>
+          <a:bodyPr/>
+          <a:lstStyle/>
+          <a:p>
+            <a:r>
+              <a:rPr lang="en-US" dirty="0" smtClean="0"/>
+              <a:t>Enjoy!</a:t>
+            </a:r>
+            <a:endParaRPr lang="en-US" dirty="0"/>
+          </a:p>
+        </p:txBody>
+      </p:sp>
+      <p:pic>
+        <p:nvPicPr>
+          <p:cNvPr id="1026" name="Picture 2" descr="C:\Users\ASoli\Desktop\New folder (3)\Screenshot_2013-01-19-21-54-31.png"/>
+          <p:cNvPicPr>
+            <a:picLocks noChangeAspect="1" noChangeArrowheads="1"/>
+          </p:cNvPicPr>
+          <p:nvPr/>
+        </p:nvPicPr>
+        <p:blipFill>
+          <a:blip r:embed="rId2">
+            <a:extLst>
+              <a:ext uri="{28A0092B-C50C-407E-A947-70E740481C1C}">
+                <a14:useLocalDpi xmlns:a14="http://schemas.microsoft.com/office/drawing/2010/main" val="0"/>
+              </a:ext>
+            </a:extLst>
+          </a:blip>
+          <a:srcRect/>
+          <a:stretch>
+            <a:fillRect/>
+          </a:stretch>
+        </p:blipFill>
+        <p:spPr bwMode="auto">
+          <a:xfrm>
+            <a:off x="768424" y="2132856"/>
+            <a:ext cx="7620000" cy="4572000"/>
+          </a:xfrm>
+          <a:prstGeom prst="rect">
+            <a:avLst/>
+          </a:prstGeom>
+          <a:noFill/>
+          <a:extLst>
+            <a:ext uri="{909E8E84-426E-40DD-AFC4-6F175D3DCCD1}">
+              <a14:hiddenFill xmlns:a14="http://schemas.microsoft.com/office/drawing/2010/main">
+                <a:solidFill>
+                  <a:srgbClr val="FFFFFF"/>
+                </a:solidFill>
+              </a14:hiddenFill>
+            </a:ext>
+          </a:extLst>
+        </p:spPr>
+      </p:pic>
+    </p:spTree>
+    <p:extLst>
+      <p:ext uri="{BB962C8B-B14F-4D97-AF65-F5344CB8AC3E}">
+        <p14:creationId xmlns:p14="http://schemas.microsoft.com/office/powerpoint/2010/main" val="15933226"/>
+      </p:ext>
+    </p:extLst>
+  </p:cSld>
+  <p:clrMapOvr>
+    <a:masterClrMapping/>
+  </p:clrMapOvr>
+</p:sld>
+</file>
+
+<file path=ppt/slides/slide6.xml><?xml version="1.0" encoding="utf-8"?>
 <p:sld xmlns:a="http://schemas.openxmlformats.org/drawingml/2006/main" xmlns:r="http://schemas.openxmlformats.org/officeDocument/2006/relationships" xmlns:p="http://schemas.openxmlformats.org/presentationml/2006/main">
   <p:cSld>
     <p:spTree>
@@ -3748,7 +3889,7 @@
 </p:sld>
 </file>
 
-<file path=ppt/slides/slide6.xml><?xml version="1.0" encoding="utf-8"?>
+<file path=ppt/slides/slide7.xml><?xml version="1.0" encoding="utf-8"?>
 <p:sld xmlns:a="http://schemas.openxmlformats.org/drawingml/2006/main" xmlns:r="http://schemas.openxmlformats.org/officeDocument/2006/relationships" xmlns:p="http://schemas.openxmlformats.org/presentationml/2006/main">
   <p:cSld>
     <p:spTree>
@@ -3888,7 +4029,7 @@
 </p:sld>
 </file>
 
-<file path=ppt/slides/slide7.xml><?xml version="1.0" encoding="utf-8"?>
+<file path=ppt/slides/slide8.xml><?xml version="1.0" encoding="utf-8"?>
 <p:sld xmlns:a="http://schemas.openxmlformats.org/drawingml/2006/main" xmlns:r="http://schemas.openxmlformats.org/officeDocument/2006/relationships" xmlns:p="http://schemas.openxmlformats.org/presentationml/2006/main">
   <p:cSld>
     <p:spTree>
@@ -4028,7 +4169,7 @@
 </p:sld>
 </file>
 
-<file path=ppt/slides/slide8.xml><?xml version="1.0" encoding="utf-8"?>
+<file path=ppt/slides/slide9.xml><?xml version="1.0" encoding="utf-8"?>
 <p:sld xmlns:a="http://schemas.openxmlformats.org/drawingml/2006/main" xmlns:r="http://schemas.openxmlformats.org/officeDocument/2006/relationships" xmlns:p="http://schemas.openxmlformats.org/presentationml/2006/main">
   <p:cSld>
     <p:spTree>
@@ -4085,11 +4226,7 @@
           <a:p>
             <a:r>
               <a:rPr lang="en-US" dirty="0" smtClean="0"/>
-              <a:t>Check Out the “HELP” section on the website</a:t>
-            </a:r>
-            <a:r>
-              <a:rPr lang="en-US" dirty="0" smtClean="0"/>
-              <a:t>!</a:t>
+              <a:t>Check Out the “HELP” section on the website!</a:t>
             </a:r>
           </a:p>
           <a:p>
